--- a/毕业设计相关/开题相关/ppt相关/2013201213-孙雪峰-史长亭-开题答辩.pptx
+++ b/毕业设计相关/开题相关/ppt相关/2013201213-孙雪峰-史长亭-开题答辩.pptx
@@ -267,7 +267,7 @@
           <a:p>
             <a:fld id="{A25366E2-2601-4D70-82CC-BEB7FE4CAA1E}" type="datetimeFigureOut">
               <a:rPr lang="zh-CN" altLang="en-US" smtClean="0"/>
-              <a:t>2016/12/26 Monday</a:t>
+              <a:t>2016/12/28 Wednesday</a:t>
             </a:fld>
             <a:endParaRPr lang="zh-CN" altLang="en-US"/>
           </a:p>
@@ -435,7 +435,7 @@
           <a:p>
             <a:fld id="{A25366E2-2601-4D70-82CC-BEB7FE4CAA1E}" type="datetimeFigureOut">
               <a:rPr lang="zh-CN" altLang="en-US" smtClean="0"/>
-              <a:t>2016/12/26 Monday</a:t>
+              <a:t>2016/12/28 Wednesday</a:t>
             </a:fld>
             <a:endParaRPr lang="zh-CN" altLang="en-US"/>
           </a:p>
@@ -613,7 +613,7 @@
           <a:p>
             <a:fld id="{A25366E2-2601-4D70-82CC-BEB7FE4CAA1E}" type="datetimeFigureOut">
               <a:rPr lang="zh-CN" altLang="en-US" smtClean="0"/>
-              <a:t>2016/12/26 Monday</a:t>
+              <a:t>2016/12/28 Wednesday</a:t>
             </a:fld>
             <a:endParaRPr lang="zh-CN" altLang="en-US"/>
           </a:p>
@@ -781,7 +781,7 @@
           <a:p>
             <a:fld id="{A25366E2-2601-4D70-82CC-BEB7FE4CAA1E}" type="datetimeFigureOut">
               <a:rPr lang="zh-CN" altLang="en-US" smtClean="0"/>
-              <a:t>2016/12/26 Monday</a:t>
+              <a:t>2016/12/28 Wednesday</a:t>
             </a:fld>
             <a:endParaRPr lang="zh-CN" altLang="en-US"/>
           </a:p>
@@ -1026,7 +1026,7 @@
           <a:p>
             <a:fld id="{A25366E2-2601-4D70-82CC-BEB7FE4CAA1E}" type="datetimeFigureOut">
               <a:rPr lang="zh-CN" altLang="en-US" smtClean="0"/>
-              <a:t>2016/12/26 Monday</a:t>
+              <a:t>2016/12/28 Wednesday</a:t>
             </a:fld>
             <a:endParaRPr lang="zh-CN" altLang="en-US"/>
           </a:p>
@@ -1255,7 +1255,7 @@
           <a:p>
             <a:fld id="{A25366E2-2601-4D70-82CC-BEB7FE4CAA1E}" type="datetimeFigureOut">
               <a:rPr lang="zh-CN" altLang="en-US" smtClean="0"/>
-              <a:t>2016/12/26 Monday</a:t>
+              <a:t>2016/12/28 Wednesday</a:t>
             </a:fld>
             <a:endParaRPr lang="zh-CN" altLang="en-US"/>
           </a:p>
@@ -1619,7 +1619,7 @@
           <a:p>
             <a:fld id="{A25366E2-2601-4D70-82CC-BEB7FE4CAA1E}" type="datetimeFigureOut">
               <a:rPr lang="zh-CN" altLang="en-US" smtClean="0"/>
-              <a:t>2016/12/26 Monday</a:t>
+              <a:t>2016/12/28 Wednesday</a:t>
             </a:fld>
             <a:endParaRPr lang="zh-CN" altLang="en-US"/>
           </a:p>
@@ -1736,7 +1736,7 @@
           <a:p>
             <a:fld id="{A25366E2-2601-4D70-82CC-BEB7FE4CAA1E}" type="datetimeFigureOut">
               <a:rPr lang="zh-CN" altLang="en-US" smtClean="0"/>
-              <a:t>2016/12/26 Monday</a:t>
+              <a:t>2016/12/28 Wednesday</a:t>
             </a:fld>
             <a:endParaRPr lang="zh-CN" altLang="en-US"/>
           </a:p>
@@ -1831,7 +1831,7 @@
           <a:p>
             <a:fld id="{A25366E2-2601-4D70-82CC-BEB7FE4CAA1E}" type="datetimeFigureOut">
               <a:rPr lang="zh-CN" altLang="en-US" smtClean="0"/>
-              <a:t>2016/12/26 Monday</a:t>
+              <a:t>2016/12/28 Wednesday</a:t>
             </a:fld>
             <a:endParaRPr lang="zh-CN" altLang="en-US"/>
           </a:p>
@@ -2106,7 +2106,7 @@
           <a:p>
             <a:fld id="{A25366E2-2601-4D70-82CC-BEB7FE4CAA1E}" type="datetimeFigureOut">
               <a:rPr lang="zh-CN" altLang="en-US" smtClean="0"/>
-              <a:t>2016/12/26 Monday</a:t>
+              <a:t>2016/12/28 Wednesday</a:t>
             </a:fld>
             <a:endParaRPr lang="zh-CN" altLang="en-US"/>
           </a:p>
@@ -2358,7 +2358,7 @@
           <a:p>
             <a:fld id="{A25366E2-2601-4D70-82CC-BEB7FE4CAA1E}" type="datetimeFigureOut">
               <a:rPr lang="zh-CN" altLang="en-US" smtClean="0"/>
-              <a:t>2016/12/26 Monday</a:t>
+              <a:t>2016/12/28 Wednesday</a:t>
             </a:fld>
             <a:endParaRPr lang="zh-CN" altLang="en-US"/>
           </a:p>
@@ -2576,7 +2576,7 @@
           <a:p>
             <a:fld id="{A25366E2-2601-4D70-82CC-BEB7FE4CAA1E}" type="datetimeFigureOut">
               <a:rPr lang="zh-CN" altLang="en-US" smtClean="0"/>
-              <a:t>2016/12/26 Monday</a:t>
+              <a:t>2016/12/28 Wednesday</a:t>
             </a:fld>
             <a:endParaRPr lang="zh-CN" altLang="en-US"/>
           </a:p>
@@ -4429,8 +4429,27 @@
                   </a:schemeClr>
                 </a:solidFill>
               </a:rPr>
-              <a:t>模块、通信模块以及其他模块代码的设计与实现，完成消息阅后即焚功能的设计与实现</a:t>
-            </a:r>
+              <a:t>模块、通信模块以及其他模块代码的设计与实现，完成消息阅后即焚</a:t>
+            </a:r>
+            <a:r>
+              <a:rPr lang="zh-CN" altLang="zh-CN">
+                <a:solidFill>
+                  <a:schemeClr val="accent3">
+                    <a:lumMod val="20000"/>
+                    <a:lumOff val="80000"/>
+                  </a:schemeClr>
+                </a:solidFill>
+              </a:rPr>
+              <a:t>功能的实现</a:t>
+            </a:r>
+            <a:endParaRPr lang="zh-CN" altLang="zh-CN" dirty="0">
+              <a:solidFill>
+                <a:schemeClr val="accent3">
+                  <a:lumMod val="20000"/>
+                  <a:lumOff val="80000"/>
+                </a:schemeClr>
+              </a:solidFill>
+            </a:endParaRPr>
           </a:p>
           <a:p>
             <a:pPr>
@@ -15449,7 +15468,7 @@
                 <a:latin typeface="华文彩云" panose="02010800040101010101" pitchFamily="2" charset="-122"/>
                 <a:ea typeface="华文彩云" panose="02010800040101010101" pitchFamily="2" charset="-122"/>
               </a:rPr>
-              <a:t>私钥解密</a:t>
+              <a:t>数据解密</a:t>
             </a:r>
           </a:p>
         </p:txBody>
@@ -15763,7 +15782,7 @@
                 <a:latin typeface="华文彩云" panose="02010800040101010101" pitchFamily="2" charset="-122"/>
                 <a:ea typeface="华文彩云" panose="02010800040101010101" pitchFamily="2" charset="-122"/>
               </a:rPr>
-              <a:t>数据解析</a:t>
+              <a:t>数据打包</a:t>
             </a:r>
           </a:p>
         </p:txBody>
@@ -15920,7 +15939,7 @@
                 <a:latin typeface="华文彩云" panose="02010800040101010101" pitchFamily="2" charset="-122"/>
                 <a:ea typeface="华文彩云" panose="02010800040101010101" pitchFamily="2" charset="-122"/>
               </a:rPr>
-              <a:t>公钥加密</a:t>
+              <a:t>数据加密</a:t>
             </a:r>
           </a:p>
         </p:txBody>
